--- a/brWheel_my/wirings/button_matrix_wiring_diagram.pptx
+++ b/brWheel_my/wirings/button_matrix_wiring_diagram.pptx
@@ -241,7 +241,7 @@
           <a:p>
             <a:fld id="{A398FB1A-F8C3-427F-BE44-B87966AC4D7F}" type="datetimeFigureOut">
               <a:rPr lang="en-US" smtClean="0"/>
-              <a:t>03-Jun-22</a:t>
+              <a:t>20-Mar-25</a:t>
             </a:fld>
             <a:endParaRPr lang="en-US"/>
           </a:p>
@@ -409,7 +409,7 @@
           <a:p>
             <a:fld id="{A398FB1A-F8C3-427F-BE44-B87966AC4D7F}" type="datetimeFigureOut">
               <a:rPr lang="en-US" smtClean="0"/>
-              <a:t>03-Jun-22</a:t>
+              <a:t>20-Mar-25</a:t>
             </a:fld>
             <a:endParaRPr lang="en-US"/>
           </a:p>
@@ -587,7 +587,7 @@
           <a:p>
             <a:fld id="{A398FB1A-F8C3-427F-BE44-B87966AC4D7F}" type="datetimeFigureOut">
               <a:rPr lang="en-US" smtClean="0"/>
-              <a:t>03-Jun-22</a:t>
+              <a:t>20-Mar-25</a:t>
             </a:fld>
             <a:endParaRPr lang="en-US"/>
           </a:p>
@@ -755,7 +755,7 @@
           <a:p>
             <a:fld id="{A398FB1A-F8C3-427F-BE44-B87966AC4D7F}" type="datetimeFigureOut">
               <a:rPr lang="en-US" smtClean="0"/>
-              <a:t>03-Jun-22</a:t>
+              <a:t>20-Mar-25</a:t>
             </a:fld>
             <a:endParaRPr lang="en-US"/>
           </a:p>
@@ -1000,7 +1000,7 @@
           <a:p>
             <a:fld id="{A398FB1A-F8C3-427F-BE44-B87966AC4D7F}" type="datetimeFigureOut">
               <a:rPr lang="en-US" smtClean="0"/>
-              <a:t>03-Jun-22</a:t>
+              <a:t>20-Mar-25</a:t>
             </a:fld>
             <a:endParaRPr lang="en-US"/>
           </a:p>
@@ -1229,7 +1229,7 @@
           <a:p>
             <a:fld id="{A398FB1A-F8C3-427F-BE44-B87966AC4D7F}" type="datetimeFigureOut">
               <a:rPr lang="en-US" smtClean="0"/>
-              <a:t>03-Jun-22</a:t>
+              <a:t>20-Mar-25</a:t>
             </a:fld>
             <a:endParaRPr lang="en-US"/>
           </a:p>
@@ -1593,7 +1593,7 @@
           <a:p>
             <a:fld id="{A398FB1A-F8C3-427F-BE44-B87966AC4D7F}" type="datetimeFigureOut">
               <a:rPr lang="en-US" smtClean="0"/>
-              <a:t>03-Jun-22</a:t>
+              <a:t>20-Mar-25</a:t>
             </a:fld>
             <a:endParaRPr lang="en-US"/>
           </a:p>
@@ -1710,7 +1710,7 @@
           <a:p>
             <a:fld id="{A398FB1A-F8C3-427F-BE44-B87966AC4D7F}" type="datetimeFigureOut">
               <a:rPr lang="en-US" smtClean="0"/>
-              <a:t>03-Jun-22</a:t>
+              <a:t>20-Mar-25</a:t>
             </a:fld>
             <a:endParaRPr lang="en-US"/>
           </a:p>
@@ -1805,7 +1805,7 @@
           <a:p>
             <a:fld id="{A398FB1A-F8C3-427F-BE44-B87966AC4D7F}" type="datetimeFigureOut">
               <a:rPr lang="en-US" smtClean="0"/>
-              <a:t>03-Jun-22</a:t>
+              <a:t>20-Mar-25</a:t>
             </a:fld>
             <a:endParaRPr lang="en-US"/>
           </a:p>
@@ -2080,7 +2080,7 @@
           <a:p>
             <a:fld id="{A398FB1A-F8C3-427F-BE44-B87966AC4D7F}" type="datetimeFigureOut">
               <a:rPr lang="en-US" smtClean="0"/>
-              <a:t>03-Jun-22</a:t>
+              <a:t>20-Mar-25</a:t>
             </a:fld>
             <a:endParaRPr lang="en-US"/>
           </a:p>
@@ -2332,7 +2332,7 @@
           <a:p>
             <a:fld id="{A398FB1A-F8C3-427F-BE44-B87966AC4D7F}" type="datetimeFigureOut">
               <a:rPr lang="en-US" smtClean="0"/>
-              <a:t>03-Jun-22</a:t>
+              <a:t>20-Mar-25</a:t>
             </a:fld>
             <a:endParaRPr lang="en-US"/>
           </a:p>
@@ -2543,7 +2543,7 @@
           <a:p>
             <a:fld id="{A398FB1A-F8C3-427F-BE44-B87966AC4D7F}" type="datetimeFigureOut">
               <a:rPr lang="en-US" smtClean="0"/>
-              <a:t>03-Jun-22</a:t>
+              <a:t>20-Mar-25</a:t>
             </a:fld>
             <a:endParaRPr lang="en-US"/>
           </a:p>
@@ -2972,14 +2972,10 @@
           <a:p>
             <a:r>
               <a:rPr lang="en-US" dirty="0"/>
-              <a:t>Arduino </a:t>
-            </a:r>
-            <a:r>
-              <a:rPr lang="en-US" dirty="0" smtClean="0"/>
-              <a:t>Leonardo, Micro or </a:t>
-            </a:r>
-            <a:r>
-              <a:rPr lang="en-US" dirty="0" err="1" smtClean="0"/>
+              <a:t>Arduino Leonardo, Micro or </a:t>
+            </a:r>
+            <a:r>
+              <a:rPr lang="en-US" dirty="0" err="1"/>
               <a:t>ProMicro</a:t>
             </a:r>
             <a:endParaRPr lang="en-US" dirty="0"/>
@@ -3010,10 +3006,9 @@
           <a:p>
             <a:pPr algn="ctr"/>
             <a:r>
-              <a:rPr lang="en-US" dirty="0" smtClean="0"/>
-              <a:t>Wiring diagram for 4x4 button matrix (only valid for firmware fw-vXX0 with “t” option)</a:t>
-            </a:r>
-            <a:endParaRPr lang="en-US" dirty="0"/>
+              <a:rPr lang="en-US" dirty="0"/>
+              <a:t>Wiring diagram for 4x4 button matrix (only valid for firmware with “t” option)</a:t>
+            </a:r>
           </a:p>
         </p:txBody>
       </p:sp>
@@ -3069,55 +3064,55 @@
           <a:lstStyle/>
           <a:p>
             <a:r>
-              <a:rPr lang="en-US" dirty="0" smtClean="0"/>
+              <a:rPr lang="en-US" dirty="0"/>
               <a:t>Matrix pins:</a:t>
             </a:r>
           </a:p>
           <a:p>
             <a:r>
-              <a:rPr lang="en-US" dirty="0" smtClean="0"/>
+              <a:rPr lang="en-US" dirty="0"/>
               <a:t>row0 - D6</a:t>
             </a:r>
           </a:p>
           <a:p>
             <a:r>
-              <a:rPr lang="en-US" dirty="0" smtClean="0"/>
+              <a:rPr lang="en-US" dirty="0"/>
               <a:t>row1 - D7</a:t>
             </a:r>
           </a:p>
           <a:p>
             <a:r>
-              <a:rPr lang="en-US" dirty="0" smtClean="0"/>
+              <a:rPr lang="en-US" dirty="0"/>
               <a:t>row2 - D8</a:t>
             </a:r>
           </a:p>
           <a:p>
             <a:r>
-              <a:rPr lang="en-US" dirty="0" smtClean="0"/>
+              <a:rPr lang="en-US" dirty="0"/>
               <a:t>row3 - D5</a:t>
             </a:r>
           </a:p>
           <a:p>
             <a:r>
-              <a:rPr lang="en-US" dirty="0" smtClean="0"/>
+              <a:rPr lang="en-US" dirty="0"/>
               <a:t>col0 - D4</a:t>
             </a:r>
           </a:p>
           <a:p>
             <a:r>
-              <a:rPr lang="en-US" dirty="0" smtClean="0"/>
+              <a:rPr lang="en-US" dirty="0"/>
               <a:t>col1 - A4</a:t>
             </a:r>
           </a:p>
           <a:p>
             <a:r>
-              <a:rPr lang="en-US" dirty="0" smtClean="0"/>
+              <a:rPr lang="en-US" dirty="0"/>
               <a:t>col2 - A5</a:t>
             </a:r>
           </a:p>
           <a:p>
             <a:r>
-              <a:rPr lang="en-US" dirty="0" smtClean="0"/>
+              <a:rPr lang="en-US" dirty="0"/>
               <a:t>col3 - D12</a:t>
             </a:r>
           </a:p>
@@ -3149,10 +3144,9 @@
           <a:lstStyle/>
           <a:p>
             <a:r>
-              <a:rPr lang="en-US" dirty="0" smtClean="0"/>
+              <a:rPr lang="en-US" dirty="0"/>
               <a:t>Button matrix schematic and PCB</a:t>
             </a:r>
-            <a:endParaRPr lang="en-US" dirty="0"/>
           </a:p>
         </p:txBody>
       </p:sp>
@@ -3492,27 +3486,19 @@
           <a:lstStyle/>
           <a:p>
             <a:r>
-              <a:rPr lang="en-US" dirty="0" smtClean="0"/>
+              <a:rPr lang="en-US" dirty="0"/>
               <a:t>Firmware with “h” option</a:t>
             </a:r>
           </a:p>
           <a:p>
             <a:r>
-              <a:rPr lang="en-US" dirty="0" smtClean="0"/>
-              <a:t>has </a:t>
-            </a:r>
-            <a:r>
               <a:rPr lang="en-US" dirty="0"/>
-              <a:t>hat switch </a:t>
-            </a:r>
-            <a:r>
-              <a:rPr lang="en-US" dirty="0" smtClean="0"/>
-              <a:t>support on</a:t>
-            </a:r>
-          </a:p>
-          <a:p>
-            <a:r>
-              <a:rPr lang="en-US" dirty="0" smtClean="0"/>
+              <a:t>has hat switch support on</a:t>
+            </a:r>
+          </a:p>
+          <a:p>
+            <a:r>
+              <a:rPr lang="en-US" dirty="0"/>
               <a:t>matrix buttons B0-B3:</a:t>
             </a:r>
           </a:p>
@@ -3541,25 +3527,25 @@
           <a:lstStyle/>
           <a:p>
             <a:r>
-              <a:rPr lang="en-US" dirty="0" smtClean="0"/>
+              <a:rPr lang="en-US" dirty="0"/>
               <a:t>B0 - up</a:t>
             </a:r>
           </a:p>
           <a:p>
             <a:r>
-              <a:rPr lang="en-US" dirty="0" smtClean="0"/>
+              <a:rPr lang="en-US" dirty="0"/>
               <a:t>B1 - right</a:t>
             </a:r>
           </a:p>
           <a:p>
             <a:r>
-              <a:rPr lang="en-US" dirty="0" smtClean="0"/>
+              <a:rPr lang="en-US" dirty="0"/>
               <a:t>B2 - down</a:t>
             </a:r>
           </a:p>
           <a:p>
             <a:r>
-              <a:rPr lang="en-US" dirty="0" smtClean="0"/>
+              <a:rPr lang="en-US" dirty="0"/>
               <a:t>B3 - left</a:t>
             </a:r>
           </a:p>
@@ -3575,13 +3561,6 @@
   <p:clrMapOvr>
     <a:masterClrMapping/>
   </p:clrMapOvr>
-  <p:timing>
-    <p:tnLst>
-      <p:par>
-        <p:cTn id="1" dur="indefinite" restart="never" nodeType="tmRoot"/>
-      </p:par>
-    </p:tnLst>
-  </p:timing>
 </p:sld>
 </file>
 
